--- a/en/application_framework/application_framework/blank_project/_images.pptx
+++ b/en/application_framework/application_framework/blank_project/_images.pptx
@@ -104,6 +104,22 @@
       </a:defRPr>
     </a:lvl9pPr>
   </p:defaultTextStyle>
+  <p:extLst>
+    <p:ext uri="{EFAFB233-063F-42B5-8137-9DF3F51BA10A}">
+      <p15:sldGuideLst xmlns:p15="http://schemas.microsoft.com/office/powerpoint/2012/main">
+        <p15:guide id="1" orient="horz" pos="1644">
+          <p15:clr>
+            <a:srgbClr val="A4A3A4"/>
+          </p15:clr>
+        </p15:guide>
+        <p15:guide id="2" pos="1440">
+          <p15:clr>
+            <a:srgbClr val="A4A3A4"/>
+          </p15:clr>
+        </p15:guide>
+      </p15:sldGuideLst>
+    </p:ext>
+  </p:extLst>
 </p:presentation>
 </file>
 
@@ -145,10 +161,9 @@
           <a:lstStyle/>
           <a:p>
             <a:r>
-              <a:rPr kumimoji="1" lang="ja-JP" altLang="en-US" smtClean="0"/>
+              <a:rPr kumimoji="1" lang="ja-JP" altLang="en-US"/>
               <a:t>マスター タイトルの書式設定</a:t>
             </a:r>
-            <a:endParaRPr kumimoji="1" lang="ja-JP" altLang="en-US"/>
           </a:p>
         </p:txBody>
       </p:sp>
@@ -264,10 +279,9 @@
           </a:lstStyle>
           <a:p>
             <a:r>
-              <a:rPr kumimoji="1" lang="ja-JP" altLang="en-US" smtClean="0"/>
+              <a:rPr kumimoji="1" lang="ja-JP" altLang="en-US"/>
               <a:t>マスター サブタイトルの書式設定</a:t>
             </a:r>
-            <a:endParaRPr kumimoji="1" lang="ja-JP" altLang="en-US"/>
           </a:p>
         </p:txBody>
       </p:sp>
@@ -288,7 +302,7 @@
           <a:p>
             <a:fld id="{E90ED720-0104-4369-84BC-D37694168613}" type="datetimeFigureOut">
               <a:rPr kumimoji="1" lang="ja-JP" altLang="en-US" smtClean="0"/>
-              <a:t>2016/9/8</a:t>
+              <a:t>2020/6/23</a:t>
             </a:fld>
             <a:endParaRPr kumimoji="1" lang="ja-JP" altLang="en-US" dirty="0"/>
           </a:p>
@@ -382,10 +396,9 @@
           <a:lstStyle/>
           <a:p>
             <a:r>
-              <a:rPr kumimoji="1" lang="ja-JP" altLang="en-US" smtClean="0"/>
+              <a:rPr kumimoji="1" lang="ja-JP" altLang="en-US"/>
               <a:t>マスター タイトルの書式設定</a:t>
             </a:r>
-            <a:endParaRPr kumimoji="1" lang="ja-JP" altLang="en-US"/>
           </a:p>
         </p:txBody>
       </p:sp>
@@ -406,70 +419,69 @@
           <a:p>
             <a:pPr lvl="0"/>
             <a:r>
-              <a:rPr kumimoji="1" lang="ja-JP" altLang="en-US" smtClean="0"/>
+              <a:rPr kumimoji="1" lang="ja-JP" altLang="en-US"/>
               <a:t>マスター テキストの書式設定</a:t>
             </a:r>
           </a:p>
           <a:p>
             <a:pPr lvl="1"/>
             <a:r>
-              <a:rPr kumimoji="1" lang="ja-JP" altLang="en-US" smtClean="0"/>
+              <a:rPr kumimoji="1" lang="ja-JP" altLang="en-US"/>
               <a:t>第 </a:t>
             </a:r>
             <a:r>
-              <a:rPr kumimoji="1" lang="en-US" altLang="ja-JP" smtClean="0"/>
+              <a:rPr kumimoji="1" lang="en-US" altLang="ja-JP"/>
               <a:t>2 </a:t>
             </a:r>
             <a:r>
-              <a:rPr kumimoji="1" lang="ja-JP" altLang="en-US" smtClean="0"/>
+              <a:rPr kumimoji="1" lang="ja-JP" altLang="en-US"/>
               <a:t>レベル</a:t>
             </a:r>
           </a:p>
           <a:p>
             <a:pPr lvl="2"/>
             <a:r>
-              <a:rPr kumimoji="1" lang="ja-JP" altLang="en-US" smtClean="0"/>
+              <a:rPr kumimoji="1" lang="ja-JP" altLang="en-US"/>
               <a:t>第 </a:t>
             </a:r>
             <a:r>
-              <a:rPr kumimoji="1" lang="en-US" altLang="ja-JP" smtClean="0"/>
+              <a:rPr kumimoji="1" lang="en-US" altLang="ja-JP"/>
               <a:t>3 </a:t>
             </a:r>
             <a:r>
-              <a:rPr kumimoji="1" lang="ja-JP" altLang="en-US" smtClean="0"/>
+              <a:rPr kumimoji="1" lang="ja-JP" altLang="en-US"/>
               <a:t>レベル</a:t>
             </a:r>
           </a:p>
           <a:p>
             <a:pPr lvl="3"/>
             <a:r>
-              <a:rPr kumimoji="1" lang="ja-JP" altLang="en-US" smtClean="0"/>
+              <a:rPr kumimoji="1" lang="ja-JP" altLang="en-US"/>
               <a:t>第 </a:t>
             </a:r>
             <a:r>
-              <a:rPr kumimoji="1" lang="en-US" altLang="ja-JP" smtClean="0"/>
+              <a:rPr kumimoji="1" lang="en-US" altLang="ja-JP"/>
               <a:t>4 </a:t>
             </a:r>
             <a:r>
-              <a:rPr kumimoji="1" lang="ja-JP" altLang="en-US" smtClean="0"/>
+              <a:rPr kumimoji="1" lang="ja-JP" altLang="en-US"/>
               <a:t>レベル</a:t>
             </a:r>
           </a:p>
           <a:p>
             <a:pPr lvl="4"/>
             <a:r>
-              <a:rPr kumimoji="1" lang="ja-JP" altLang="en-US" smtClean="0"/>
+              <a:rPr kumimoji="1" lang="ja-JP" altLang="en-US"/>
               <a:t>第 </a:t>
             </a:r>
             <a:r>
-              <a:rPr kumimoji="1" lang="en-US" altLang="ja-JP" smtClean="0"/>
+              <a:rPr kumimoji="1" lang="en-US" altLang="ja-JP"/>
               <a:t>5 </a:t>
             </a:r>
             <a:r>
-              <a:rPr kumimoji="1" lang="ja-JP" altLang="en-US" smtClean="0"/>
+              <a:rPr kumimoji="1" lang="ja-JP" altLang="en-US"/>
               <a:t>レベル</a:t>
             </a:r>
-            <a:endParaRPr kumimoji="1" lang="ja-JP" altLang="en-US"/>
           </a:p>
         </p:txBody>
       </p:sp>
@@ -490,7 +502,7 @@
           <a:p>
             <a:fld id="{E90ED720-0104-4369-84BC-D37694168613}" type="datetimeFigureOut">
               <a:rPr kumimoji="1" lang="ja-JP" altLang="en-US" smtClean="0"/>
-              <a:t>2016/9/8</a:t>
+              <a:t>2020/6/23</a:t>
             </a:fld>
             <a:endParaRPr kumimoji="1" lang="ja-JP" altLang="en-US" dirty="0"/>
           </a:p>
@@ -589,10 +601,9 @@
           <a:lstStyle/>
           <a:p>
             <a:r>
-              <a:rPr kumimoji="1" lang="ja-JP" altLang="en-US" smtClean="0"/>
+              <a:rPr kumimoji="1" lang="ja-JP" altLang="en-US"/>
               <a:t>マスター タイトルの書式設定</a:t>
             </a:r>
-            <a:endParaRPr kumimoji="1" lang="ja-JP" altLang="en-US"/>
           </a:p>
         </p:txBody>
       </p:sp>
@@ -618,70 +629,69 @@
           <a:p>
             <a:pPr lvl="0"/>
             <a:r>
-              <a:rPr kumimoji="1" lang="ja-JP" altLang="en-US" smtClean="0"/>
+              <a:rPr kumimoji="1" lang="ja-JP" altLang="en-US"/>
               <a:t>マスター テキストの書式設定</a:t>
             </a:r>
           </a:p>
           <a:p>
             <a:pPr lvl="1"/>
             <a:r>
-              <a:rPr kumimoji="1" lang="ja-JP" altLang="en-US" smtClean="0"/>
+              <a:rPr kumimoji="1" lang="ja-JP" altLang="en-US"/>
               <a:t>第 </a:t>
             </a:r>
             <a:r>
-              <a:rPr kumimoji="1" lang="en-US" altLang="ja-JP" smtClean="0"/>
+              <a:rPr kumimoji="1" lang="en-US" altLang="ja-JP"/>
               <a:t>2 </a:t>
             </a:r>
             <a:r>
-              <a:rPr kumimoji="1" lang="ja-JP" altLang="en-US" smtClean="0"/>
+              <a:rPr kumimoji="1" lang="ja-JP" altLang="en-US"/>
               <a:t>レベル</a:t>
             </a:r>
           </a:p>
           <a:p>
             <a:pPr lvl="2"/>
             <a:r>
-              <a:rPr kumimoji="1" lang="ja-JP" altLang="en-US" smtClean="0"/>
+              <a:rPr kumimoji="1" lang="ja-JP" altLang="en-US"/>
               <a:t>第 </a:t>
             </a:r>
             <a:r>
-              <a:rPr kumimoji="1" lang="en-US" altLang="ja-JP" smtClean="0"/>
+              <a:rPr kumimoji="1" lang="en-US" altLang="ja-JP"/>
               <a:t>3 </a:t>
             </a:r>
             <a:r>
-              <a:rPr kumimoji="1" lang="ja-JP" altLang="en-US" smtClean="0"/>
+              <a:rPr kumimoji="1" lang="ja-JP" altLang="en-US"/>
               <a:t>レベル</a:t>
             </a:r>
           </a:p>
           <a:p>
             <a:pPr lvl="3"/>
             <a:r>
-              <a:rPr kumimoji="1" lang="ja-JP" altLang="en-US" smtClean="0"/>
+              <a:rPr kumimoji="1" lang="ja-JP" altLang="en-US"/>
               <a:t>第 </a:t>
             </a:r>
             <a:r>
-              <a:rPr kumimoji="1" lang="en-US" altLang="ja-JP" smtClean="0"/>
+              <a:rPr kumimoji="1" lang="en-US" altLang="ja-JP"/>
               <a:t>4 </a:t>
             </a:r>
             <a:r>
-              <a:rPr kumimoji="1" lang="ja-JP" altLang="en-US" smtClean="0"/>
+              <a:rPr kumimoji="1" lang="ja-JP" altLang="en-US"/>
               <a:t>レベル</a:t>
             </a:r>
           </a:p>
           <a:p>
             <a:pPr lvl="4"/>
             <a:r>
-              <a:rPr kumimoji="1" lang="ja-JP" altLang="en-US" smtClean="0"/>
+              <a:rPr kumimoji="1" lang="ja-JP" altLang="en-US"/>
               <a:t>第 </a:t>
             </a:r>
             <a:r>
-              <a:rPr kumimoji="1" lang="en-US" altLang="ja-JP" smtClean="0"/>
+              <a:rPr kumimoji="1" lang="en-US" altLang="ja-JP"/>
               <a:t>5 </a:t>
             </a:r>
             <a:r>
-              <a:rPr kumimoji="1" lang="ja-JP" altLang="en-US" smtClean="0"/>
+              <a:rPr kumimoji="1" lang="ja-JP" altLang="en-US"/>
               <a:t>レベル</a:t>
             </a:r>
-            <a:endParaRPr kumimoji="1" lang="ja-JP" altLang="en-US"/>
           </a:p>
         </p:txBody>
       </p:sp>
@@ -702,7 +712,7 @@
           <a:p>
             <a:fld id="{E90ED720-0104-4369-84BC-D37694168613}" type="datetimeFigureOut">
               <a:rPr kumimoji="1" lang="ja-JP" altLang="en-US" smtClean="0"/>
-              <a:t>2016/9/8</a:t>
+              <a:t>2020/6/23</a:t>
             </a:fld>
             <a:endParaRPr kumimoji="1" lang="ja-JP" altLang="en-US" dirty="0"/>
           </a:p>
@@ -796,10 +806,9 @@
           <a:lstStyle/>
           <a:p>
             <a:r>
-              <a:rPr kumimoji="1" lang="ja-JP" altLang="en-US" smtClean="0"/>
+              <a:rPr kumimoji="1" lang="ja-JP" altLang="en-US"/>
               <a:t>マスター タイトルの書式設定</a:t>
             </a:r>
-            <a:endParaRPr kumimoji="1" lang="ja-JP" altLang="en-US"/>
           </a:p>
         </p:txBody>
       </p:sp>
@@ -820,70 +829,69 @@
           <a:p>
             <a:pPr lvl="0"/>
             <a:r>
-              <a:rPr kumimoji="1" lang="ja-JP" altLang="en-US" smtClean="0"/>
+              <a:rPr kumimoji="1" lang="ja-JP" altLang="en-US"/>
               <a:t>マスター テキストの書式設定</a:t>
             </a:r>
           </a:p>
           <a:p>
             <a:pPr lvl="1"/>
             <a:r>
-              <a:rPr kumimoji="1" lang="ja-JP" altLang="en-US" smtClean="0"/>
+              <a:rPr kumimoji="1" lang="ja-JP" altLang="en-US"/>
               <a:t>第 </a:t>
             </a:r>
             <a:r>
-              <a:rPr kumimoji="1" lang="en-US" altLang="ja-JP" smtClean="0"/>
+              <a:rPr kumimoji="1" lang="en-US" altLang="ja-JP"/>
               <a:t>2 </a:t>
             </a:r>
             <a:r>
-              <a:rPr kumimoji="1" lang="ja-JP" altLang="en-US" smtClean="0"/>
+              <a:rPr kumimoji="1" lang="ja-JP" altLang="en-US"/>
               <a:t>レベル</a:t>
             </a:r>
           </a:p>
           <a:p>
             <a:pPr lvl="2"/>
             <a:r>
-              <a:rPr kumimoji="1" lang="ja-JP" altLang="en-US" smtClean="0"/>
+              <a:rPr kumimoji="1" lang="ja-JP" altLang="en-US"/>
               <a:t>第 </a:t>
             </a:r>
             <a:r>
-              <a:rPr kumimoji="1" lang="en-US" altLang="ja-JP" smtClean="0"/>
+              <a:rPr kumimoji="1" lang="en-US" altLang="ja-JP"/>
               <a:t>3 </a:t>
             </a:r>
             <a:r>
-              <a:rPr kumimoji="1" lang="ja-JP" altLang="en-US" smtClean="0"/>
+              <a:rPr kumimoji="1" lang="ja-JP" altLang="en-US"/>
               <a:t>レベル</a:t>
             </a:r>
           </a:p>
           <a:p>
             <a:pPr lvl="3"/>
             <a:r>
-              <a:rPr kumimoji="1" lang="ja-JP" altLang="en-US" smtClean="0"/>
+              <a:rPr kumimoji="1" lang="ja-JP" altLang="en-US"/>
               <a:t>第 </a:t>
             </a:r>
             <a:r>
-              <a:rPr kumimoji="1" lang="en-US" altLang="ja-JP" smtClean="0"/>
+              <a:rPr kumimoji="1" lang="en-US" altLang="ja-JP"/>
               <a:t>4 </a:t>
             </a:r>
             <a:r>
-              <a:rPr kumimoji="1" lang="ja-JP" altLang="en-US" smtClean="0"/>
+              <a:rPr kumimoji="1" lang="ja-JP" altLang="en-US"/>
               <a:t>レベル</a:t>
             </a:r>
           </a:p>
           <a:p>
             <a:pPr lvl="4"/>
             <a:r>
-              <a:rPr kumimoji="1" lang="ja-JP" altLang="en-US" smtClean="0"/>
+              <a:rPr kumimoji="1" lang="ja-JP" altLang="en-US"/>
               <a:t>第 </a:t>
             </a:r>
             <a:r>
-              <a:rPr kumimoji="1" lang="en-US" altLang="ja-JP" smtClean="0"/>
+              <a:rPr kumimoji="1" lang="en-US" altLang="ja-JP"/>
               <a:t>5 </a:t>
             </a:r>
             <a:r>
-              <a:rPr kumimoji="1" lang="ja-JP" altLang="en-US" smtClean="0"/>
+              <a:rPr kumimoji="1" lang="ja-JP" altLang="en-US"/>
               <a:t>レベル</a:t>
             </a:r>
-            <a:endParaRPr kumimoji="1" lang="ja-JP" altLang="en-US"/>
           </a:p>
         </p:txBody>
       </p:sp>
@@ -904,7 +912,7 @@
           <a:p>
             <a:fld id="{E90ED720-0104-4369-84BC-D37694168613}" type="datetimeFigureOut">
               <a:rPr kumimoji="1" lang="ja-JP" altLang="en-US" smtClean="0"/>
-              <a:t>2016/9/8</a:t>
+              <a:t>2020/6/23</a:t>
             </a:fld>
             <a:endParaRPr kumimoji="1" lang="ja-JP" altLang="en-US" dirty="0"/>
           </a:p>
@@ -1007,10 +1015,9 @@
           </a:lstStyle>
           <a:p>
             <a:r>
-              <a:rPr kumimoji="1" lang="ja-JP" altLang="en-US" smtClean="0"/>
+              <a:rPr kumimoji="1" lang="ja-JP" altLang="en-US"/>
               <a:t>マスター タイトルの書式設定</a:t>
             </a:r>
-            <a:endParaRPr kumimoji="1" lang="ja-JP" altLang="en-US"/>
           </a:p>
         </p:txBody>
       </p:sp>
@@ -1127,7 +1134,7 @@
           <a:p>
             <a:pPr lvl="0"/>
             <a:r>
-              <a:rPr kumimoji="1" lang="ja-JP" altLang="en-US" smtClean="0"/>
+              <a:rPr kumimoji="1" lang="ja-JP" altLang="en-US"/>
               <a:t>マスター テキストの書式設定</a:t>
             </a:r>
           </a:p>
@@ -1150,7 +1157,7 @@
           <a:p>
             <a:fld id="{E90ED720-0104-4369-84BC-D37694168613}" type="datetimeFigureOut">
               <a:rPr kumimoji="1" lang="ja-JP" altLang="en-US" smtClean="0"/>
-              <a:t>2016/9/8</a:t>
+              <a:t>2020/6/23</a:t>
             </a:fld>
             <a:endParaRPr kumimoji="1" lang="ja-JP" altLang="en-US" dirty="0"/>
           </a:p>
@@ -1244,10 +1251,9 @@
           <a:lstStyle/>
           <a:p>
             <a:r>
-              <a:rPr kumimoji="1" lang="ja-JP" altLang="en-US" smtClean="0"/>
+              <a:rPr kumimoji="1" lang="ja-JP" altLang="en-US"/>
               <a:t>マスター タイトルの書式設定</a:t>
             </a:r>
-            <a:endParaRPr kumimoji="1" lang="ja-JP" altLang="en-US"/>
           </a:p>
         </p:txBody>
       </p:sp>
@@ -1301,70 +1307,69 @@
           <a:p>
             <a:pPr lvl="0"/>
             <a:r>
-              <a:rPr kumimoji="1" lang="ja-JP" altLang="en-US" smtClean="0"/>
+              <a:rPr kumimoji="1" lang="ja-JP" altLang="en-US"/>
               <a:t>マスター テキストの書式設定</a:t>
             </a:r>
           </a:p>
           <a:p>
             <a:pPr lvl="1"/>
             <a:r>
-              <a:rPr kumimoji="1" lang="ja-JP" altLang="en-US" smtClean="0"/>
+              <a:rPr kumimoji="1" lang="ja-JP" altLang="en-US"/>
               <a:t>第 </a:t>
             </a:r>
             <a:r>
-              <a:rPr kumimoji="1" lang="en-US" altLang="ja-JP" smtClean="0"/>
+              <a:rPr kumimoji="1" lang="en-US" altLang="ja-JP"/>
               <a:t>2 </a:t>
             </a:r>
             <a:r>
-              <a:rPr kumimoji="1" lang="ja-JP" altLang="en-US" smtClean="0"/>
+              <a:rPr kumimoji="1" lang="ja-JP" altLang="en-US"/>
               <a:t>レベル</a:t>
             </a:r>
           </a:p>
           <a:p>
             <a:pPr lvl="2"/>
             <a:r>
-              <a:rPr kumimoji="1" lang="ja-JP" altLang="en-US" smtClean="0"/>
+              <a:rPr kumimoji="1" lang="ja-JP" altLang="en-US"/>
               <a:t>第 </a:t>
             </a:r>
             <a:r>
-              <a:rPr kumimoji="1" lang="en-US" altLang="ja-JP" smtClean="0"/>
+              <a:rPr kumimoji="1" lang="en-US" altLang="ja-JP"/>
               <a:t>3 </a:t>
             </a:r>
             <a:r>
-              <a:rPr kumimoji="1" lang="ja-JP" altLang="en-US" smtClean="0"/>
+              <a:rPr kumimoji="1" lang="ja-JP" altLang="en-US"/>
               <a:t>レベル</a:t>
             </a:r>
           </a:p>
           <a:p>
             <a:pPr lvl="3"/>
             <a:r>
-              <a:rPr kumimoji="1" lang="ja-JP" altLang="en-US" smtClean="0"/>
+              <a:rPr kumimoji="1" lang="ja-JP" altLang="en-US"/>
               <a:t>第 </a:t>
             </a:r>
             <a:r>
-              <a:rPr kumimoji="1" lang="en-US" altLang="ja-JP" smtClean="0"/>
+              <a:rPr kumimoji="1" lang="en-US" altLang="ja-JP"/>
               <a:t>4 </a:t>
             </a:r>
             <a:r>
-              <a:rPr kumimoji="1" lang="ja-JP" altLang="en-US" smtClean="0"/>
+              <a:rPr kumimoji="1" lang="ja-JP" altLang="en-US"/>
               <a:t>レベル</a:t>
             </a:r>
           </a:p>
           <a:p>
             <a:pPr lvl="4"/>
             <a:r>
-              <a:rPr kumimoji="1" lang="ja-JP" altLang="en-US" smtClean="0"/>
+              <a:rPr kumimoji="1" lang="ja-JP" altLang="en-US"/>
               <a:t>第 </a:t>
             </a:r>
             <a:r>
-              <a:rPr kumimoji="1" lang="en-US" altLang="ja-JP" smtClean="0"/>
+              <a:rPr kumimoji="1" lang="en-US" altLang="ja-JP"/>
               <a:t>5 </a:t>
             </a:r>
             <a:r>
-              <a:rPr kumimoji="1" lang="ja-JP" altLang="en-US" smtClean="0"/>
+              <a:rPr kumimoji="1" lang="ja-JP" altLang="en-US"/>
               <a:t>レベル</a:t>
             </a:r>
-            <a:endParaRPr kumimoji="1" lang="ja-JP" altLang="en-US"/>
           </a:p>
         </p:txBody>
       </p:sp>
@@ -1418,70 +1423,69 @@
           <a:p>
             <a:pPr lvl="0"/>
             <a:r>
-              <a:rPr kumimoji="1" lang="ja-JP" altLang="en-US" smtClean="0"/>
+              <a:rPr kumimoji="1" lang="ja-JP" altLang="en-US"/>
               <a:t>マスター テキストの書式設定</a:t>
             </a:r>
           </a:p>
           <a:p>
             <a:pPr lvl="1"/>
             <a:r>
-              <a:rPr kumimoji="1" lang="ja-JP" altLang="en-US" smtClean="0"/>
+              <a:rPr kumimoji="1" lang="ja-JP" altLang="en-US"/>
               <a:t>第 </a:t>
             </a:r>
             <a:r>
-              <a:rPr kumimoji="1" lang="en-US" altLang="ja-JP" smtClean="0"/>
+              <a:rPr kumimoji="1" lang="en-US" altLang="ja-JP"/>
               <a:t>2 </a:t>
             </a:r>
             <a:r>
-              <a:rPr kumimoji="1" lang="ja-JP" altLang="en-US" smtClean="0"/>
+              <a:rPr kumimoji="1" lang="ja-JP" altLang="en-US"/>
               <a:t>レベル</a:t>
             </a:r>
           </a:p>
           <a:p>
             <a:pPr lvl="2"/>
             <a:r>
-              <a:rPr kumimoji="1" lang="ja-JP" altLang="en-US" smtClean="0"/>
+              <a:rPr kumimoji="1" lang="ja-JP" altLang="en-US"/>
               <a:t>第 </a:t>
             </a:r>
             <a:r>
-              <a:rPr kumimoji="1" lang="en-US" altLang="ja-JP" smtClean="0"/>
+              <a:rPr kumimoji="1" lang="en-US" altLang="ja-JP"/>
               <a:t>3 </a:t>
             </a:r>
             <a:r>
-              <a:rPr kumimoji="1" lang="ja-JP" altLang="en-US" smtClean="0"/>
+              <a:rPr kumimoji="1" lang="ja-JP" altLang="en-US"/>
               <a:t>レベル</a:t>
             </a:r>
           </a:p>
           <a:p>
             <a:pPr lvl="3"/>
             <a:r>
-              <a:rPr kumimoji="1" lang="ja-JP" altLang="en-US" smtClean="0"/>
+              <a:rPr kumimoji="1" lang="ja-JP" altLang="en-US"/>
               <a:t>第 </a:t>
             </a:r>
             <a:r>
-              <a:rPr kumimoji="1" lang="en-US" altLang="ja-JP" smtClean="0"/>
+              <a:rPr kumimoji="1" lang="en-US" altLang="ja-JP"/>
               <a:t>4 </a:t>
             </a:r>
             <a:r>
-              <a:rPr kumimoji="1" lang="ja-JP" altLang="en-US" smtClean="0"/>
+              <a:rPr kumimoji="1" lang="ja-JP" altLang="en-US"/>
               <a:t>レベル</a:t>
             </a:r>
           </a:p>
           <a:p>
             <a:pPr lvl="4"/>
             <a:r>
-              <a:rPr kumimoji="1" lang="ja-JP" altLang="en-US" smtClean="0"/>
+              <a:rPr kumimoji="1" lang="ja-JP" altLang="en-US"/>
               <a:t>第 </a:t>
             </a:r>
             <a:r>
-              <a:rPr kumimoji="1" lang="en-US" altLang="ja-JP" smtClean="0"/>
+              <a:rPr kumimoji="1" lang="en-US" altLang="ja-JP"/>
               <a:t>5 </a:t>
             </a:r>
             <a:r>
-              <a:rPr kumimoji="1" lang="ja-JP" altLang="en-US" smtClean="0"/>
+              <a:rPr kumimoji="1" lang="ja-JP" altLang="en-US"/>
               <a:t>レベル</a:t>
             </a:r>
-            <a:endParaRPr kumimoji="1" lang="ja-JP" altLang="en-US"/>
           </a:p>
         </p:txBody>
       </p:sp>
@@ -1502,7 +1506,7 @@
           <a:p>
             <a:fld id="{E90ED720-0104-4369-84BC-D37694168613}" type="datetimeFigureOut">
               <a:rPr kumimoji="1" lang="ja-JP" altLang="en-US" smtClean="0"/>
-              <a:t>2016/9/8</a:t>
+              <a:t>2020/6/23</a:t>
             </a:fld>
             <a:endParaRPr kumimoji="1" lang="ja-JP" altLang="en-US" dirty="0"/>
           </a:p>
@@ -1605,10 +1609,9 @@
           </a:lstStyle>
           <a:p>
             <a:r>
-              <a:rPr kumimoji="1" lang="ja-JP" altLang="en-US" smtClean="0"/>
+              <a:rPr kumimoji="1" lang="ja-JP" altLang="en-US"/>
               <a:t>マスター タイトルの書式設定</a:t>
             </a:r>
-            <a:endParaRPr kumimoji="1" lang="ja-JP" altLang="en-US"/>
           </a:p>
         </p:txBody>
       </p:sp>
@@ -1671,7 +1674,7 @@
           <a:p>
             <a:pPr lvl="0"/>
             <a:r>
-              <a:rPr kumimoji="1" lang="ja-JP" altLang="en-US" smtClean="0"/>
+              <a:rPr kumimoji="1" lang="ja-JP" altLang="en-US"/>
               <a:t>マスター テキストの書式設定</a:t>
             </a:r>
           </a:p>
@@ -1727,70 +1730,69 @@
           <a:p>
             <a:pPr lvl="0"/>
             <a:r>
-              <a:rPr kumimoji="1" lang="ja-JP" altLang="en-US" smtClean="0"/>
+              <a:rPr kumimoji="1" lang="ja-JP" altLang="en-US"/>
               <a:t>マスター テキストの書式設定</a:t>
             </a:r>
           </a:p>
           <a:p>
             <a:pPr lvl="1"/>
             <a:r>
-              <a:rPr kumimoji="1" lang="ja-JP" altLang="en-US" smtClean="0"/>
+              <a:rPr kumimoji="1" lang="ja-JP" altLang="en-US"/>
               <a:t>第 </a:t>
             </a:r>
             <a:r>
-              <a:rPr kumimoji="1" lang="en-US" altLang="ja-JP" smtClean="0"/>
+              <a:rPr kumimoji="1" lang="en-US" altLang="ja-JP"/>
               <a:t>2 </a:t>
             </a:r>
             <a:r>
-              <a:rPr kumimoji="1" lang="ja-JP" altLang="en-US" smtClean="0"/>
+              <a:rPr kumimoji="1" lang="ja-JP" altLang="en-US"/>
               <a:t>レベル</a:t>
             </a:r>
           </a:p>
           <a:p>
             <a:pPr lvl="2"/>
             <a:r>
-              <a:rPr kumimoji="1" lang="ja-JP" altLang="en-US" smtClean="0"/>
+              <a:rPr kumimoji="1" lang="ja-JP" altLang="en-US"/>
               <a:t>第 </a:t>
             </a:r>
             <a:r>
-              <a:rPr kumimoji="1" lang="en-US" altLang="ja-JP" smtClean="0"/>
+              <a:rPr kumimoji="1" lang="en-US" altLang="ja-JP"/>
               <a:t>3 </a:t>
             </a:r>
             <a:r>
-              <a:rPr kumimoji="1" lang="ja-JP" altLang="en-US" smtClean="0"/>
+              <a:rPr kumimoji="1" lang="ja-JP" altLang="en-US"/>
               <a:t>レベル</a:t>
             </a:r>
           </a:p>
           <a:p>
             <a:pPr lvl="3"/>
             <a:r>
-              <a:rPr kumimoji="1" lang="ja-JP" altLang="en-US" smtClean="0"/>
+              <a:rPr kumimoji="1" lang="ja-JP" altLang="en-US"/>
               <a:t>第 </a:t>
             </a:r>
             <a:r>
-              <a:rPr kumimoji="1" lang="en-US" altLang="ja-JP" smtClean="0"/>
+              <a:rPr kumimoji="1" lang="en-US" altLang="ja-JP"/>
               <a:t>4 </a:t>
             </a:r>
             <a:r>
-              <a:rPr kumimoji="1" lang="ja-JP" altLang="en-US" smtClean="0"/>
+              <a:rPr kumimoji="1" lang="ja-JP" altLang="en-US"/>
               <a:t>レベル</a:t>
             </a:r>
           </a:p>
           <a:p>
             <a:pPr lvl="4"/>
             <a:r>
-              <a:rPr kumimoji="1" lang="ja-JP" altLang="en-US" smtClean="0"/>
+              <a:rPr kumimoji="1" lang="ja-JP" altLang="en-US"/>
               <a:t>第 </a:t>
             </a:r>
             <a:r>
-              <a:rPr kumimoji="1" lang="en-US" altLang="ja-JP" smtClean="0"/>
+              <a:rPr kumimoji="1" lang="en-US" altLang="ja-JP"/>
               <a:t>5 </a:t>
             </a:r>
             <a:r>
-              <a:rPr kumimoji="1" lang="ja-JP" altLang="en-US" smtClean="0"/>
+              <a:rPr kumimoji="1" lang="ja-JP" altLang="en-US"/>
               <a:t>レベル</a:t>
             </a:r>
-            <a:endParaRPr kumimoji="1" lang="ja-JP" altLang="en-US"/>
           </a:p>
         </p:txBody>
       </p:sp>
@@ -1853,7 +1855,7 @@
           <a:p>
             <a:pPr lvl="0"/>
             <a:r>
-              <a:rPr kumimoji="1" lang="ja-JP" altLang="en-US" smtClean="0"/>
+              <a:rPr kumimoji="1" lang="ja-JP" altLang="en-US"/>
               <a:t>マスター テキストの書式設定</a:t>
             </a:r>
           </a:p>
@@ -1909,70 +1911,69 @@
           <a:p>
             <a:pPr lvl="0"/>
             <a:r>
-              <a:rPr kumimoji="1" lang="ja-JP" altLang="en-US" smtClean="0"/>
+              <a:rPr kumimoji="1" lang="ja-JP" altLang="en-US"/>
               <a:t>マスター テキストの書式設定</a:t>
             </a:r>
           </a:p>
           <a:p>
             <a:pPr lvl="1"/>
             <a:r>
-              <a:rPr kumimoji="1" lang="ja-JP" altLang="en-US" smtClean="0"/>
+              <a:rPr kumimoji="1" lang="ja-JP" altLang="en-US"/>
               <a:t>第 </a:t>
             </a:r>
             <a:r>
-              <a:rPr kumimoji="1" lang="en-US" altLang="ja-JP" smtClean="0"/>
+              <a:rPr kumimoji="1" lang="en-US" altLang="ja-JP"/>
               <a:t>2 </a:t>
             </a:r>
             <a:r>
-              <a:rPr kumimoji="1" lang="ja-JP" altLang="en-US" smtClean="0"/>
+              <a:rPr kumimoji="1" lang="ja-JP" altLang="en-US"/>
               <a:t>レベル</a:t>
             </a:r>
           </a:p>
           <a:p>
             <a:pPr lvl="2"/>
             <a:r>
-              <a:rPr kumimoji="1" lang="ja-JP" altLang="en-US" smtClean="0"/>
+              <a:rPr kumimoji="1" lang="ja-JP" altLang="en-US"/>
               <a:t>第 </a:t>
             </a:r>
             <a:r>
-              <a:rPr kumimoji="1" lang="en-US" altLang="ja-JP" smtClean="0"/>
+              <a:rPr kumimoji="1" lang="en-US" altLang="ja-JP"/>
               <a:t>3 </a:t>
             </a:r>
             <a:r>
-              <a:rPr kumimoji="1" lang="ja-JP" altLang="en-US" smtClean="0"/>
+              <a:rPr kumimoji="1" lang="ja-JP" altLang="en-US"/>
               <a:t>レベル</a:t>
             </a:r>
           </a:p>
           <a:p>
             <a:pPr lvl="3"/>
             <a:r>
-              <a:rPr kumimoji="1" lang="ja-JP" altLang="en-US" smtClean="0"/>
+              <a:rPr kumimoji="1" lang="ja-JP" altLang="en-US"/>
               <a:t>第 </a:t>
             </a:r>
             <a:r>
-              <a:rPr kumimoji="1" lang="en-US" altLang="ja-JP" smtClean="0"/>
+              <a:rPr kumimoji="1" lang="en-US" altLang="ja-JP"/>
               <a:t>4 </a:t>
             </a:r>
             <a:r>
-              <a:rPr kumimoji="1" lang="ja-JP" altLang="en-US" smtClean="0"/>
+              <a:rPr kumimoji="1" lang="ja-JP" altLang="en-US"/>
               <a:t>レベル</a:t>
             </a:r>
           </a:p>
           <a:p>
             <a:pPr lvl="4"/>
             <a:r>
-              <a:rPr kumimoji="1" lang="ja-JP" altLang="en-US" smtClean="0"/>
+              <a:rPr kumimoji="1" lang="ja-JP" altLang="en-US"/>
               <a:t>第 </a:t>
             </a:r>
             <a:r>
-              <a:rPr kumimoji="1" lang="en-US" altLang="ja-JP" smtClean="0"/>
+              <a:rPr kumimoji="1" lang="en-US" altLang="ja-JP"/>
               <a:t>5 </a:t>
             </a:r>
             <a:r>
-              <a:rPr kumimoji="1" lang="ja-JP" altLang="en-US" smtClean="0"/>
+              <a:rPr kumimoji="1" lang="ja-JP" altLang="en-US"/>
               <a:t>レベル</a:t>
             </a:r>
-            <a:endParaRPr kumimoji="1" lang="ja-JP" altLang="en-US"/>
           </a:p>
         </p:txBody>
       </p:sp>
@@ -1993,7 +1994,7 @@
           <a:p>
             <a:fld id="{E90ED720-0104-4369-84BC-D37694168613}" type="datetimeFigureOut">
               <a:rPr kumimoji="1" lang="ja-JP" altLang="en-US" smtClean="0"/>
-              <a:t>2016/9/8</a:t>
+              <a:t>2020/6/23</a:t>
             </a:fld>
             <a:endParaRPr kumimoji="1" lang="ja-JP" altLang="en-US" dirty="0"/>
           </a:p>
@@ -2087,10 +2088,9 @@
           <a:lstStyle/>
           <a:p>
             <a:r>
-              <a:rPr kumimoji="1" lang="ja-JP" altLang="en-US" smtClean="0"/>
+              <a:rPr kumimoji="1" lang="ja-JP" altLang="en-US"/>
               <a:t>マスター タイトルの書式設定</a:t>
             </a:r>
-            <a:endParaRPr kumimoji="1" lang="ja-JP" altLang="en-US"/>
           </a:p>
         </p:txBody>
       </p:sp>
@@ -2111,7 +2111,7 @@
           <a:p>
             <a:fld id="{E90ED720-0104-4369-84BC-D37694168613}" type="datetimeFigureOut">
               <a:rPr kumimoji="1" lang="ja-JP" altLang="en-US" smtClean="0"/>
-              <a:t>2016/9/8</a:t>
+              <a:t>2020/6/23</a:t>
             </a:fld>
             <a:endParaRPr kumimoji="1" lang="ja-JP" altLang="en-US" dirty="0"/>
           </a:p>
@@ -2206,7 +2206,7 @@
           <a:p>
             <a:fld id="{E90ED720-0104-4369-84BC-D37694168613}" type="datetimeFigureOut">
               <a:rPr kumimoji="1" lang="ja-JP" altLang="en-US" smtClean="0"/>
-              <a:t>2016/9/8</a:t>
+              <a:t>2020/6/23</a:t>
             </a:fld>
             <a:endParaRPr kumimoji="1" lang="ja-JP" altLang="en-US" dirty="0"/>
           </a:p>
@@ -2309,10 +2309,9 @@
           </a:lstStyle>
           <a:p>
             <a:r>
-              <a:rPr kumimoji="1" lang="ja-JP" altLang="en-US" smtClean="0"/>
+              <a:rPr kumimoji="1" lang="ja-JP" altLang="en-US"/>
               <a:t>マスター タイトルの書式設定</a:t>
             </a:r>
-            <a:endParaRPr kumimoji="1" lang="ja-JP" altLang="en-US"/>
           </a:p>
         </p:txBody>
       </p:sp>
@@ -2366,70 +2365,69 @@
           <a:p>
             <a:pPr lvl="0"/>
             <a:r>
-              <a:rPr kumimoji="1" lang="ja-JP" altLang="en-US" smtClean="0"/>
+              <a:rPr kumimoji="1" lang="ja-JP" altLang="en-US"/>
               <a:t>マスター テキストの書式設定</a:t>
             </a:r>
           </a:p>
           <a:p>
             <a:pPr lvl="1"/>
             <a:r>
-              <a:rPr kumimoji="1" lang="ja-JP" altLang="en-US" smtClean="0"/>
+              <a:rPr kumimoji="1" lang="ja-JP" altLang="en-US"/>
               <a:t>第 </a:t>
             </a:r>
             <a:r>
-              <a:rPr kumimoji="1" lang="en-US" altLang="ja-JP" smtClean="0"/>
+              <a:rPr kumimoji="1" lang="en-US" altLang="ja-JP"/>
               <a:t>2 </a:t>
             </a:r>
             <a:r>
-              <a:rPr kumimoji="1" lang="ja-JP" altLang="en-US" smtClean="0"/>
+              <a:rPr kumimoji="1" lang="ja-JP" altLang="en-US"/>
               <a:t>レベル</a:t>
             </a:r>
           </a:p>
           <a:p>
             <a:pPr lvl="2"/>
             <a:r>
-              <a:rPr kumimoji="1" lang="ja-JP" altLang="en-US" smtClean="0"/>
+              <a:rPr kumimoji="1" lang="ja-JP" altLang="en-US"/>
               <a:t>第 </a:t>
             </a:r>
             <a:r>
-              <a:rPr kumimoji="1" lang="en-US" altLang="ja-JP" smtClean="0"/>
+              <a:rPr kumimoji="1" lang="en-US" altLang="ja-JP"/>
               <a:t>3 </a:t>
             </a:r>
             <a:r>
-              <a:rPr kumimoji="1" lang="ja-JP" altLang="en-US" smtClean="0"/>
+              <a:rPr kumimoji="1" lang="ja-JP" altLang="en-US"/>
               <a:t>レベル</a:t>
             </a:r>
           </a:p>
           <a:p>
             <a:pPr lvl="3"/>
             <a:r>
-              <a:rPr kumimoji="1" lang="ja-JP" altLang="en-US" smtClean="0"/>
+              <a:rPr kumimoji="1" lang="ja-JP" altLang="en-US"/>
               <a:t>第 </a:t>
             </a:r>
             <a:r>
-              <a:rPr kumimoji="1" lang="en-US" altLang="ja-JP" smtClean="0"/>
+              <a:rPr kumimoji="1" lang="en-US" altLang="ja-JP"/>
               <a:t>4 </a:t>
             </a:r>
             <a:r>
-              <a:rPr kumimoji="1" lang="ja-JP" altLang="en-US" smtClean="0"/>
+              <a:rPr kumimoji="1" lang="ja-JP" altLang="en-US"/>
               <a:t>レベル</a:t>
             </a:r>
           </a:p>
           <a:p>
             <a:pPr lvl="4"/>
             <a:r>
-              <a:rPr kumimoji="1" lang="ja-JP" altLang="en-US" smtClean="0"/>
+              <a:rPr kumimoji="1" lang="ja-JP" altLang="en-US"/>
               <a:t>第 </a:t>
             </a:r>
             <a:r>
-              <a:rPr kumimoji="1" lang="en-US" altLang="ja-JP" smtClean="0"/>
+              <a:rPr kumimoji="1" lang="en-US" altLang="ja-JP"/>
               <a:t>5 </a:t>
             </a:r>
             <a:r>
-              <a:rPr kumimoji="1" lang="ja-JP" altLang="en-US" smtClean="0"/>
+              <a:rPr kumimoji="1" lang="ja-JP" altLang="en-US"/>
               <a:t>レベル</a:t>
             </a:r>
-            <a:endParaRPr kumimoji="1" lang="ja-JP" altLang="en-US"/>
           </a:p>
         </p:txBody>
       </p:sp>
@@ -2492,7 +2490,7 @@
           <a:p>
             <a:pPr lvl="0"/>
             <a:r>
-              <a:rPr kumimoji="1" lang="ja-JP" altLang="en-US" smtClean="0"/>
+              <a:rPr kumimoji="1" lang="ja-JP" altLang="en-US"/>
               <a:t>マスター テキストの書式設定</a:t>
             </a:r>
           </a:p>
@@ -2515,7 +2513,7 @@
           <a:p>
             <a:fld id="{E90ED720-0104-4369-84BC-D37694168613}" type="datetimeFigureOut">
               <a:rPr kumimoji="1" lang="ja-JP" altLang="en-US" smtClean="0"/>
-              <a:t>2016/9/8</a:t>
+              <a:t>2020/6/23</a:t>
             </a:fld>
             <a:endParaRPr kumimoji="1" lang="ja-JP" altLang="en-US" dirty="0"/>
           </a:p>
@@ -2618,10 +2616,9 @@
           </a:lstStyle>
           <a:p>
             <a:r>
-              <a:rPr kumimoji="1" lang="ja-JP" altLang="en-US" smtClean="0"/>
+              <a:rPr kumimoji="1" lang="ja-JP" altLang="en-US"/>
               <a:t>マスター タイトルの書式設定</a:t>
             </a:r>
-            <a:endParaRPr kumimoji="1" lang="ja-JP" altLang="en-US"/>
           </a:p>
         </p:txBody>
       </p:sp>
@@ -2745,7 +2742,7 @@
           <a:p>
             <a:pPr lvl="0"/>
             <a:r>
-              <a:rPr kumimoji="1" lang="ja-JP" altLang="en-US" smtClean="0"/>
+              <a:rPr kumimoji="1" lang="ja-JP" altLang="en-US"/>
               <a:t>マスター テキストの書式設定</a:t>
             </a:r>
           </a:p>
@@ -2768,7 +2765,7 @@
           <a:p>
             <a:fld id="{E90ED720-0104-4369-84BC-D37694168613}" type="datetimeFigureOut">
               <a:rPr kumimoji="1" lang="ja-JP" altLang="en-US" smtClean="0"/>
-              <a:t>2016/9/8</a:t>
+              <a:t>2020/6/23</a:t>
             </a:fld>
             <a:endParaRPr kumimoji="1" lang="ja-JP" altLang="en-US" dirty="0"/>
           </a:p>
@@ -2877,10 +2874,9 @@
           <a:lstStyle/>
           <a:p>
             <a:r>
-              <a:rPr kumimoji="1" lang="ja-JP" altLang="en-US" smtClean="0"/>
+              <a:rPr kumimoji="1" lang="ja-JP" altLang="en-US"/>
               <a:t>マスター タイトルの書式設定</a:t>
             </a:r>
-            <a:endParaRPr kumimoji="1" lang="ja-JP" altLang="en-US"/>
           </a:p>
         </p:txBody>
       </p:sp>
@@ -2911,70 +2907,69 @@
           <a:p>
             <a:pPr lvl="0"/>
             <a:r>
-              <a:rPr kumimoji="1" lang="ja-JP" altLang="en-US" smtClean="0"/>
+              <a:rPr kumimoji="1" lang="ja-JP" altLang="en-US"/>
               <a:t>マスター テキストの書式設定</a:t>
             </a:r>
           </a:p>
           <a:p>
             <a:pPr lvl="1"/>
             <a:r>
-              <a:rPr kumimoji="1" lang="ja-JP" altLang="en-US" smtClean="0"/>
+              <a:rPr kumimoji="1" lang="ja-JP" altLang="en-US"/>
               <a:t>第 </a:t>
             </a:r>
             <a:r>
-              <a:rPr kumimoji="1" lang="en-US" altLang="ja-JP" smtClean="0"/>
+              <a:rPr kumimoji="1" lang="en-US" altLang="ja-JP"/>
               <a:t>2 </a:t>
             </a:r>
             <a:r>
-              <a:rPr kumimoji="1" lang="ja-JP" altLang="en-US" smtClean="0"/>
+              <a:rPr kumimoji="1" lang="ja-JP" altLang="en-US"/>
               <a:t>レベル</a:t>
             </a:r>
           </a:p>
           <a:p>
             <a:pPr lvl="2"/>
             <a:r>
-              <a:rPr kumimoji="1" lang="ja-JP" altLang="en-US" smtClean="0"/>
+              <a:rPr kumimoji="1" lang="ja-JP" altLang="en-US"/>
               <a:t>第 </a:t>
             </a:r>
             <a:r>
-              <a:rPr kumimoji="1" lang="en-US" altLang="ja-JP" smtClean="0"/>
+              <a:rPr kumimoji="1" lang="en-US" altLang="ja-JP"/>
               <a:t>3 </a:t>
             </a:r>
             <a:r>
-              <a:rPr kumimoji="1" lang="ja-JP" altLang="en-US" smtClean="0"/>
+              <a:rPr kumimoji="1" lang="ja-JP" altLang="en-US"/>
               <a:t>レベル</a:t>
             </a:r>
           </a:p>
           <a:p>
             <a:pPr lvl="3"/>
             <a:r>
-              <a:rPr kumimoji="1" lang="ja-JP" altLang="en-US" smtClean="0"/>
+              <a:rPr kumimoji="1" lang="ja-JP" altLang="en-US"/>
               <a:t>第 </a:t>
             </a:r>
             <a:r>
-              <a:rPr kumimoji="1" lang="en-US" altLang="ja-JP" smtClean="0"/>
+              <a:rPr kumimoji="1" lang="en-US" altLang="ja-JP"/>
               <a:t>4 </a:t>
             </a:r>
             <a:r>
-              <a:rPr kumimoji="1" lang="ja-JP" altLang="en-US" smtClean="0"/>
+              <a:rPr kumimoji="1" lang="ja-JP" altLang="en-US"/>
               <a:t>レベル</a:t>
             </a:r>
           </a:p>
           <a:p>
             <a:pPr lvl="4"/>
             <a:r>
-              <a:rPr kumimoji="1" lang="ja-JP" altLang="en-US" smtClean="0"/>
+              <a:rPr kumimoji="1" lang="ja-JP" altLang="en-US"/>
               <a:t>第 </a:t>
             </a:r>
             <a:r>
-              <a:rPr kumimoji="1" lang="en-US" altLang="ja-JP" smtClean="0"/>
+              <a:rPr kumimoji="1" lang="en-US" altLang="ja-JP"/>
               <a:t>5 </a:t>
             </a:r>
             <a:r>
-              <a:rPr kumimoji="1" lang="ja-JP" altLang="en-US" smtClean="0"/>
+              <a:rPr kumimoji="1" lang="ja-JP" altLang="en-US"/>
               <a:t>レベル</a:t>
             </a:r>
-            <a:endParaRPr kumimoji="1" lang="ja-JP" altLang="en-US"/>
           </a:p>
         </p:txBody>
       </p:sp>
@@ -3013,7 +3008,7 @@
           <a:p>
             <a:fld id="{E90ED720-0104-4369-84BC-D37694168613}" type="datetimeFigureOut">
               <a:rPr kumimoji="1" lang="ja-JP" altLang="en-US" smtClean="0"/>
-              <a:t>2016/9/8</a:t>
+              <a:t>2020/6/23</a:t>
             </a:fld>
             <a:endParaRPr kumimoji="1" lang="ja-JP" altLang="en-US" dirty="0"/>
           </a:p>
@@ -3411,7 +3406,7 @@
           <p:spPr>
             <a:xfrm>
               <a:off x="210014" y="92487"/>
-              <a:ext cx="1095172" cy="169277"/>
+              <a:ext cx="1497526" cy="169277"/>
             </a:xfrm>
             <a:prstGeom prst="rect">
               <a:avLst/>
@@ -3425,34 +3420,13 @@
             <a:lstStyle/>
             <a:p>
               <a:r>
-                <a:rPr lang="ja-JP" altLang="en-US" sz="500" dirty="0" err="1" smtClean="0">
+                <a:rPr lang="en-US" altLang="ja-JP" sz="500" dirty="0">
                   <a:latin typeface="メイリオ" panose="020B0604030504040204" pitchFamily="50" charset="-128"/>
                   <a:ea typeface="メイリオ" panose="020B0604030504040204" pitchFamily="50" charset="-128"/>
                   <a:cs typeface="メイリオ" panose="020B0604030504040204" pitchFamily="50" charset="-128"/>
                 </a:rPr>
-                <a:t>ｍ</a:t>
+                <a:t>Machine that executes the mvn command</a:t>
               </a:r>
-              <a:r>
-                <a:rPr lang="en-US" altLang="ja-JP" sz="500" dirty="0" err="1" smtClean="0">
-                  <a:latin typeface="メイリオ" panose="020B0604030504040204" pitchFamily="50" charset="-128"/>
-                  <a:ea typeface="メイリオ" panose="020B0604030504040204" pitchFamily="50" charset="-128"/>
-                  <a:cs typeface="メイリオ" panose="020B0604030504040204" pitchFamily="50" charset="-128"/>
-                </a:rPr>
-                <a:t>vn</a:t>
-              </a:r>
-              <a:r>
-                <a:rPr lang="ja-JP" altLang="en-US" sz="500" dirty="0" smtClean="0">
-                  <a:latin typeface="メイリオ" panose="020B0604030504040204" pitchFamily="50" charset="-128"/>
-                  <a:ea typeface="メイリオ" panose="020B0604030504040204" pitchFamily="50" charset="-128"/>
-                  <a:cs typeface="メイリオ" panose="020B0604030504040204" pitchFamily="50" charset="-128"/>
-                </a:rPr>
-                <a:t>コマンドを実行するマシン</a:t>
-              </a:r>
-              <a:endParaRPr lang="ja-JP" altLang="en-US" sz="500" dirty="0">
-                <a:latin typeface="メイリオ" panose="020B0604030504040204" pitchFamily="50" charset="-128"/>
-                <a:ea typeface="メイリオ" panose="020B0604030504040204" pitchFamily="50" charset="-128"/>
-                <a:cs typeface="メイリオ" panose="020B0604030504040204" pitchFamily="50" charset="-128"/>
-              </a:endParaRPr>
             </a:p>
           </p:txBody>
         </p:sp>
@@ -3484,15 +3458,7 @@
                   <a:ea typeface="メイリオ" panose="020B0604030504040204" pitchFamily="50" charset="-128"/>
                   <a:cs typeface="メイリオ" panose="020B0604030504040204" pitchFamily="50" charset="-128"/>
                 </a:rPr>
-                <a:t>Local </a:t>
-              </a:r>
-              <a:r>
-                <a:rPr lang="en-US" altLang="ja-JP" sz="500" dirty="0" smtClean="0">
-                  <a:latin typeface="メイリオ" panose="020B0604030504040204" pitchFamily="50" charset="-128"/>
-                  <a:ea typeface="メイリオ" panose="020B0604030504040204" pitchFamily="50" charset="-128"/>
-                  <a:cs typeface="メイリオ" panose="020B0604030504040204" pitchFamily="50" charset="-128"/>
-                </a:rPr>
-                <a:t>Repository</a:t>
+                <a:t>Local Repository</a:t>
               </a:r>
               <a:endParaRPr lang="ja-JP" altLang="en-US" sz="500" dirty="0">
                 <a:latin typeface="メイリオ" panose="020B0604030504040204" pitchFamily="50" charset="-128"/>
@@ -3777,15 +3743,7 @@
                   <a:ea typeface="メイリオ" panose="020B0604030504040204" pitchFamily="50" charset="-128"/>
                   <a:cs typeface="メイリオ" panose="020B0604030504040204" pitchFamily="50" charset="-128"/>
                 </a:rPr>
-                <a:t>3rd </a:t>
-              </a:r>
-              <a:r>
-                <a:rPr lang="en-US" altLang="ja-JP" sz="500" dirty="0" smtClean="0">
-                  <a:latin typeface="メイリオ" panose="020B0604030504040204" pitchFamily="50" charset="-128"/>
-                  <a:ea typeface="メイリオ" panose="020B0604030504040204" pitchFamily="50" charset="-128"/>
-                  <a:cs typeface="メイリオ" panose="020B0604030504040204" pitchFamily="50" charset="-128"/>
-                </a:rPr>
-                <a:t>Party Repository</a:t>
+                <a:t>3rd Party Repository</a:t>
               </a:r>
               <a:endParaRPr lang="ja-JP" altLang="en-US" sz="500" dirty="0">
                 <a:latin typeface="メイリオ" panose="020B0604030504040204" pitchFamily="50" charset="-128"/>
@@ -3883,15 +3841,7 @@
                   <a:ea typeface="メイリオ" panose="020B0604030504040204" pitchFamily="50" charset="-128"/>
                   <a:cs typeface="メイリオ" panose="020B0604030504040204" pitchFamily="50" charset="-128"/>
                 </a:rPr>
-                <a:t>Project Local </a:t>
-              </a:r>
-              <a:r>
-                <a:rPr lang="en-US" altLang="ja-JP" sz="500" dirty="0" smtClean="0">
-                  <a:latin typeface="メイリオ" panose="020B0604030504040204" pitchFamily="50" charset="-128"/>
-                  <a:ea typeface="メイリオ" panose="020B0604030504040204" pitchFamily="50" charset="-128"/>
-                  <a:cs typeface="メイリオ" panose="020B0604030504040204" pitchFamily="50" charset="-128"/>
-                </a:rPr>
-                <a:t>Repository</a:t>
+                <a:t>Project Local Repository</a:t>
               </a:r>
               <a:endParaRPr lang="ja-JP" altLang="en-US" sz="500" dirty="0">
                 <a:latin typeface="メイリオ" panose="020B0604030504040204" pitchFamily="50" charset="-128"/>
@@ -4027,7 +3977,7 @@
           <p:spPr>
             <a:xfrm>
               <a:off x="1925960" y="253689"/>
-              <a:ext cx="633507" cy="169277"/>
+              <a:ext cx="439544" cy="169277"/>
             </a:xfrm>
             <a:prstGeom prst="rect">
               <a:avLst/>
@@ -4041,13 +3991,18 @@
             <a:lstStyle/>
             <a:p>
               <a:r>
-                <a:rPr lang="ja-JP" altLang="en-US" sz="500" dirty="0">
+                <a:rPr lang="en-US" altLang="ja-JP" sz="500" dirty="0">
                   <a:latin typeface="メイリオ" panose="020B0604030504040204" pitchFamily="50" charset="-128"/>
                   <a:ea typeface="メイリオ" panose="020B0604030504040204" pitchFamily="50" charset="-128"/>
                   <a:cs typeface="メイリオ" panose="020B0604030504040204" pitchFamily="50" charset="-128"/>
                 </a:rPr>
-                <a:t>インターネット</a:t>
+                <a:t>Internet</a:t>
               </a:r>
+              <a:endParaRPr lang="ja-JP" altLang="en-US" sz="500" dirty="0">
+                <a:latin typeface="メイリオ" panose="020B0604030504040204" pitchFamily="50" charset="-128"/>
+                <a:ea typeface="メイリオ" panose="020B0604030504040204" pitchFamily="50" charset="-128"/>
+                <a:cs typeface="メイリオ" panose="020B0604030504040204" pitchFamily="50" charset="-128"/>
+              </a:endParaRPr>
             </a:p>
           </p:txBody>
         </p:sp>
